--- a/assignments/Kgarg/week-10-presentation/StudentPresentation2_CookieViolation.pptx
+++ b/assignments/Kgarg/week-10-presentation/StudentPresentation2_CookieViolation.pptx
@@ -10675,7 +10675,11 @@
             </a:pPr>
             <a:r>
               <a:rPr lang="en"/>
-              <a:t>why was Kannada so dominant?</a:t>
+              <a:t>W</a:t>
+            </a:r>
+            <a:r>
+              <a:rPr lang="en"/>
+              <a:t>hy was Kannada so dominant?</a:t>
             </a:r>
             <a:endParaRPr/>
           </a:p>
@@ -11433,7 +11437,7 @@
             </a:pPr>
             <a:r>
               <a:rPr lang="en"/>
-              <a:t>New tweets after every 30 sec for active page.</a:t>
+              <a:t>New tweets after every 30 sec for an active page.</a:t>
             </a:r>
             <a:endParaRPr/>
           </a:p>
@@ -17386,7 +17390,7 @@
             </a:pPr>
             <a:r>
               <a:rPr lang="en"/>
-              <a:t>Used Heratrix to crawl the following seeds in this particular sequence:</a:t>
+              <a:t>Used Heritrix to crawl the following seeds in this particular sequence:</a:t>
             </a:r>
             <a:endParaRPr/>
           </a:p>
